--- a/Emne4/Plan.pptx
+++ b/Emne4/Plan.pptx
@@ -109,6 +109,11 @@
       </a:defRPr>
     </a:lvl9pPr>
   </p:defaultTextStyle>
+  <p:extLst>
+    <p:ext uri="{EFAFB233-063F-42B5-8137-9DF3F51BA10A}">
+      <p15:sldGuideLst xmlns:p15="http://schemas.microsoft.com/office/powerpoint/2012/main"/>
+    </p:ext>
+  </p:extLst>
 </p:presentation>
 </file>
 
@@ -259,7 +264,7 @@
           <a:p>
             <a:fld id="{5181E6C0-9FBD-4B73-AA09-31E065BE09D7}" type="datetimeFigureOut">
               <a:rPr lang="nb-NO" smtClean="0"/>
-              <a:t>21.01.2025</a:t>
+              <a:t>29.01.2025</a:t>
             </a:fld>
             <a:endParaRPr lang="nb-NO"/>
           </a:p>
@@ -457,7 +462,7 @@
           <a:p>
             <a:fld id="{5181E6C0-9FBD-4B73-AA09-31E065BE09D7}" type="datetimeFigureOut">
               <a:rPr lang="nb-NO" smtClean="0"/>
-              <a:t>21.01.2025</a:t>
+              <a:t>29.01.2025</a:t>
             </a:fld>
             <a:endParaRPr lang="nb-NO"/>
           </a:p>
@@ -665,7 +670,7 @@
           <a:p>
             <a:fld id="{5181E6C0-9FBD-4B73-AA09-31E065BE09D7}" type="datetimeFigureOut">
               <a:rPr lang="nb-NO" smtClean="0"/>
-              <a:t>21.01.2025</a:t>
+              <a:t>29.01.2025</a:t>
             </a:fld>
             <a:endParaRPr lang="nb-NO"/>
           </a:p>
@@ -863,7 +868,7 @@
           <a:p>
             <a:fld id="{5181E6C0-9FBD-4B73-AA09-31E065BE09D7}" type="datetimeFigureOut">
               <a:rPr lang="nb-NO" smtClean="0"/>
-              <a:t>21.01.2025</a:t>
+              <a:t>29.01.2025</a:t>
             </a:fld>
             <a:endParaRPr lang="nb-NO"/>
           </a:p>
@@ -1138,7 +1143,7 @@
           <a:p>
             <a:fld id="{5181E6C0-9FBD-4B73-AA09-31E065BE09D7}" type="datetimeFigureOut">
               <a:rPr lang="nb-NO" smtClean="0"/>
-              <a:t>21.01.2025</a:t>
+              <a:t>29.01.2025</a:t>
             </a:fld>
             <a:endParaRPr lang="nb-NO"/>
           </a:p>
@@ -1403,7 +1408,7 @@
           <a:p>
             <a:fld id="{5181E6C0-9FBD-4B73-AA09-31E065BE09D7}" type="datetimeFigureOut">
               <a:rPr lang="nb-NO" smtClean="0"/>
-              <a:t>21.01.2025</a:t>
+              <a:t>29.01.2025</a:t>
             </a:fld>
             <a:endParaRPr lang="nb-NO"/>
           </a:p>
@@ -1815,7 +1820,7 @@
           <a:p>
             <a:fld id="{5181E6C0-9FBD-4B73-AA09-31E065BE09D7}" type="datetimeFigureOut">
               <a:rPr lang="nb-NO" smtClean="0"/>
-              <a:t>21.01.2025</a:t>
+              <a:t>29.01.2025</a:t>
             </a:fld>
             <a:endParaRPr lang="nb-NO"/>
           </a:p>
@@ -1956,7 +1961,7 @@
           <a:p>
             <a:fld id="{5181E6C0-9FBD-4B73-AA09-31E065BE09D7}" type="datetimeFigureOut">
               <a:rPr lang="nb-NO" smtClean="0"/>
-              <a:t>21.01.2025</a:t>
+              <a:t>29.01.2025</a:t>
             </a:fld>
             <a:endParaRPr lang="nb-NO"/>
           </a:p>
@@ -2069,7 +2074,7 @@
           <a:p>
             <a:fld id="{5181E6C0-9FBD-4B73-AA09-31E065BE09D7}" type="datetimeFigureOut">
               <a:rPr lang="nb-NO" smtClean="0"/>
-              <a:t>21.01.2025</a:t>
+              <a:t>29.01.2025</a:t>
             </a:fld>
             <a:endParaRPr lang="nb-NO"/>
           </a:p>
@@ -2380,7 +2385,7 @@
           <a:p>
             <a:fld id="{5181E6C0-9FBD-4B73-AA09-31E065BE09D7}" type="datetimeFigureOut">
               <a:rPr lang="nb-NO" smtClean="0"/>
-              <a:t>21.01.2025</a:t>
+              <a:t>29.01.2025</a:t>
             </a:fld>
             <a:endParaRPr lang="nb-NO"/>
           </a:p>
@@ -2668,7 +2673,7 @@
           <a:p>
             <a:fld id="{5181E6C0-9FBD-4B73-AA09-31E065BE09D7}" type="datetimeFigureOut">
               <a:rPr lang="nb-NO" smtClean="0"/>
-              <a:t>21.01.2025</a:t>
+              <a:t>29.01.2025</a:t>
             </a:fld>
             <a:endParaRPr lang="nb-NO"/>
           </a:p>
@@ -2909,7 +2914,7 @@
           <a:p>
             <a:fld id="{5181E6C0-9FBD-4B73-AA09-31E065BE09D7}" type="datetimeFigureOut">
               <a:rPr lang="nb-NO" smtClean="0"/>
-              <a:t>21.01.2025</a:t>
+              <a:t>29.01.2025</a:t>
             </a:fld>
             <a:endParaRPr lang="nb-NO"/>
           </a:p>
@@ -3855,7 +3860,7 @@
           <p:nvPr>
             <p:extLst>
               <p:ext uri="{D42A27DB-BD31-4B8C-83A1-F6EECF244321}">
-                <p14:modId xmlns:p14="http://schemas.microsoft.com/office/powerpoint/2010/main" val="993173455"/>
+                <p14:modId xmlns:p14="http://schemas.microsoft.com/office/powerpoint/2010/main" val="1141531029"/>
               </p:ext>
             </p:extLst>
           </p:nvPr>
@@ -4051,7 +4056,10 @@
                     <a:lstStyle/>
                     <a:p>
                       <a:pPr algn="ctr"/>
-                      <a:endParaRPr lang="nb-NO" dirty="0"/>
+                      <a:r>
+                        <a:rPr lang="nb-NO" dirty="0"/>
+                        <a:t>Ja</a:t>
+                      </a:r>
                     </a:p>
                   </a:txBody>
                   <a:tcPr anchor="ctr"/>
@@ -4062,7 +4070,10 @@
                     <a:lstStyle/>
                     <a:p>
                       <a:pPr algn="ctr"/>
-                      <a:endParaRPr lang="nb-NO" dirty="0"/>
+                      <a:r>
+                        <a:rPr lang="nb-NO" dirty="0"/>
+                        <a:t>22.01.25</a:t>
+                      </a:r>
                     </a:p>
                   </a:txBody>
                   <a:tcPr anchor="ctr"/>
@@ -4110,7 +4121,10 @@
                     <a:lstStyle/>
                     <a:p>
                       <a:pPr algn="ctr"/>
-                      <a:endParaRPr lang="nb-NO"/>
+                      <a:r>
+                        <a:rPr lang="nb-NO" dirty="0"/>
+                        <a:t>Ja</a:t>
+                      </a:r>
                     </a:p>
                   </a:txBody>
                   <a:tcPr anchor="ctr"/>
@@ -4121,7 +4135,10 @@
                     <a:lstStyle/>
                     <a:p>
                       <a:pPr algn="ctr"/>
-                      <a:endParaRPr lang="nb-NO" dirty="0"/>
+                      <a:r>
+                        <a:rPr lang="nb-NO" dirty="0"/>
+                        <a:t>22.01.25</a:t>
+                      </a:r>
                     </a:p>
                   </a:txBody>
                   <a:tcPr anchor="ctr"/>
@@ -4169,7 +4186,10 @@
                     <a:lstStyle/>
                     <a:p>
                       <a:pPr algn="ctr"/>
-                      <a:endParaRPr lang="nb-NO" dirty="0"/>
+                      <a:r>
+                        <a:rPr lang="nb-NO" dirty="0"/>
+                        <a:t>Ja</a:t>
+                      </a:r>
                     </a:p>
                   </a:txBody>
                   <a:tcPr anchor="ctr"/>
@@ -4180,7 +4200,10 @@
                     <a:lstStyle/>
                     <a:p>
                       <a:pPr algn="ctr"/>
-                      <a:endParaRPr lang="nb-NO" dirty="0"/>
+                      <a:r>
+                        <a:rPr lang="nb-NO" dirty="0"/>
+                        <a:t>22.01.25</a:t>
+                      </a:r>
                     </a:p>
                   </a:txBody>
                   <a:tcPr anchor="ctr"/>
@@ -4228,7 +4251,10 @@
                     <a:lstStyle/>
                     <a:p>
                       <a:pPr algn="ctr"/>
-                      <a:endParaRPr lang="nb-NO" dirty="0"/>
+                      <a:r>
+                        <a:rPr lang="nb-NO" dirty="0"/>
+                        <a:t>Ja</a:t>
+                      </a:r>
                     </a:p>
                   </a:txBody>
                   <a:tcPr anchor="ctr"/>
@@ -4239,7 +4265,10 @@
                     <a:lstStyle/>
                     <a:p>
                       <a:pPr algn="ctr"/>
-                      <a:endParaRPr lang="nb-NO" dirty="0"/>
+                      <a:r>
+                        <a:rPr lang="nb-NO" dirty="0"/>
+                        <a:t>22.01.25</a:t>
+                      </a:r>
                     </a:p>
                   </a:txBody>
                   <a:tcPr anchor="ctr"/>
@@ -4295,7 +4324,10 @@
                     <a:lstStyle/>
                     <a:p>
                       <a:pPr algn="ctr"/>
-                      <a:endParaRPr lang="nb-NO" dirty="0"/>
+                      <a:r>
+                        <a:rPr lang="nb-NO" dirty="0"/>
+                        <a:t>Ja</a:t>
+                      </a:r>
                     </a:p>
                   </a:txBody>
                   <a:tcPr anchor="ctr"/>
@@ -4306,7 +4338,10 @@
                     <a:lstStyle/>
                     <a:p>
                       <a:pPr algn="ctr"/>
-                      <a:endParaRPr lang="nb-NO" dirty="0"/>
+                      <a:r>
+                        <a:rPr lang="nb-NO" dirty="0"/>
+                        <a:t>22.01.25</a:t>
+                      </a:r>
                     </a:p>
                   </a:txBody>
                   <a:tcPr anchor="ctr"/>
@@ -4372,7 +4407,7 @@
           <p:nvPr>
             <p:extLst>
               <p:ext uri="{D42A27DB-BD31-4B8C-83A1-F6EECF244321}">
-                <p14:modId xmlns:p14="http://schemas.microsoft.com/office/powerpoint/2010/main" val="1939720410"/>
+                <p14:modId xmlns:p14="http://schemas.microsoft.com/office/powerpoint/2010/main" val="1055375108"/>
               </p:ext>
             </p:extLst>
           </p:nvPr>
@@ -4500,7 +4535,10 @@
                     <a:lstStyle/>
                     <a:p>
                       <a:pPr algn="ctr"/>
-                      <a:endParaRPr lang="nb-NO" dirty="0"/>
+                      <a:r>
+                        <a:rPr lang="nb-NO" dirty="0"/>
+                        <a:t>JA</a:t>
+                      </a:r>
                     </a:p>
                   </a:txBody>
                   <a:tcPr anchor="ctr"/>
@@ -4511,7 +4549,10 @@
                     <a:lstStyle/>
                     <a:p>
                       <a:pPr algn="ctr"/>
-                      <a:endParaRPr lang="nb-NO"/>
+                      <a:r>
+                        <a:rPr lang="nb-NO" dirty="0"/>
+                        <a:t>23.01.25</a:t>
+                      </a:r>
                     </a:p>
                   </a:txBody>
                   <a:tcPr anchor="ctr"/>
@@ -4567,7 +4608,10 @@
                     <a:lstStyle/>
                     <a:p>
                       <a:pPr algn="ctr"/>
-                      <a:endParaRPr lang="nb-NO" dirty="0"/>
+                      <a:r>
+                        <a:rPr lang="nb-NO" dirty="0"/>
+                        <a:t>Ja</a:t>
+                      </a:r>
                     </a:p>
                   </a:txBody>
                   <a:tcPr anchor="ctr"/>
@@ -4578,7 +4622,10 @@
                     <a:lstStyle/>
                     <a:p>
                       <a:pPr algn="ctr"/>
-                      <a:endParaRPr lang="nb-NO" dirty="0"/>
+                      <a:r>
+                        <a:rPr lang="nb-NO" dirty="0"/>
+                        <a:t>23.01.25</a:t>
+                      </a:r>
                     </a:p>
                   </a:txBody>
                   <a:tcPr anchor="ctr"/>
@@ -4626,7 +4673,10 @@
                     <a:lstStyle/>
                     <a:p>
                       <a:pPr algn="ctr"/>
-                      <a:endParaRPr lang="nb-NO" dirty="0"/>
+                      <a:r>
+                        <a:rPr lang="nb-NO" dirty="0"/>
+                        <a:t>Ja</a:t>
+                      </a:r>
                     </a:p>
                   </a:txBody>
                   <a:tcPr anchor="ctr"/>
@@ -4637,7 +4687,10 @@
                     <a:lstStyle/>
                     <a:p>
                       <a:pPr algn="ctr"/>
-                      <a:endParaRPr lang="nb-NO" dirty="0"/>
+                      <a:r>
+                        <a:rPr lang="nb-NO" dirty="0"/>
+                        <a:t>22.01.25 – 24.01.25</a:t>
+                      </a:r>
                     </a:p>
                   </a:txBody>
                   <a:tcPr anchor="ctr"/>
@@ -4690,7 +4743,10 @@
                     <a:lstStyle/>
                     <a:p>
                       <a:pPr algn="ctr"/>
-                      <a:endParaRPr lang="nb-NO" dirty="0"/>
+                      <a:r>
+                        <a:rPr lang="nb-NO" dirty="0"/>
+                        <a:t>Ja</a:t>
+                      </a:r>
                     </a:p>
                   </a:txBody>
                   <a:tcPr anchor="ctr"/>
@@ -4701,7 +4757,10 @@
                     <a:lstStyle/>
                     <a:p>
                       <a:pPr algn="ctr"/>
-                      <a:endParaRPr lang="nb-NO" dirty="0"/>
+                      <a:r>
+                        <a:rPr lang="nb-NO" dirty="0"/>
+                        <a:t>24.01.25</a:t>
+                      </a:r>
                     </a:p>
                   </a:txBody>
                   <a:tcPr anchor="ctr"/>
@@ -4767,7 +4826,7 @@
           <p:nvPr>
             <p:extLst>
               <p:ext uri="{D42A27DB-BD31-4B8C-83A1-F6EECF244321}">
-                <p14:modId xmlns:p14="http://schemas.microsoft.com/office/powerpoint/2010/main" val="3061009282"/>
+                <p14:modId xmlns:p14="http://schemas.microsoft.com/office/powerpoint/2010/main" val="1030946852"/>
               </p:ext>
             </p:extLst>
           </p:nvPr>
@@ -4890,7 +4949,10 @@
                     <a:lstStyle/>
                     <a:p>
                       <a:pPr algn="ctr"/>
-                      <a:endParaRPr lang="nb-NO" dirty="0"/>
+                      <a:r>
+                        <a:rPr lang="nb-NO" dirty="0"/>
+                        <a:t>Ja</a:t>
+                      </a:r>
                     </a:p>
                   </a:txBody>
                   <a:tcPr anchor="ctr"/>
@@ -4901,7 +4963,10 @@
                     <a:lstStyle/>
                     <a:p>
                       <a:pPr algn="ctr"/>
-                      <a:endParaRPr lang="nb-NO" dirty="0"/>
+                      <a:r>
+                        <a:rPr lang="nb-NO" dirty="0"/>
+                        <a:t>24.01.25 – 28.01.25</a:t>
+                      </a:r>
                     </a:p>
                   </a:txBody>
                   <a:tcPr anchor="ctr"/>
@@ -4960,7 +5025,10 @@
                     <a:lstStyle/>
                     <a:p>
                       <a:pPr algn="ctr"/>
-                      <a:endParaRPr lang="nb-NO" dirty="0"/>
+                      <a:r>
+                        <a:rPr lang="nb-NO" dirty="0"/>
+                        <a:t>24.01.25</a:t>
+                      </a:r>
                     </a:p>
                   </a:txBody>
                   <a:tcPr anchor="ctr"/>
@@ -5019,7 +5087,10 @@
                     <a:lstStyle/>
                     <a:p>
                       <a:pPr algn="ctr"/>
-                      <a:endParaRPr lang="nb-NO" dirty="0"/>
+                      <a:r>
+                        <a:rPr lang="nb-NO" dirty="0"/>
+                        <a:t>24.01.25</a:t>
+                      </a:r>
                     </a:p>
                   </a:txBody>
                   <a:tcPr anchor="ctr"/>
@@ -5078,7 +5149,10 @@
                     <a:lstStyle/>
                     <a:p>
                       <a:pPr algn="ctr"/>
-                      <a:endParaRPr lang="nb-NO" dirty="0"/>
+                      <a:r>
+                        <a:rPr lang="nb-NO" dirty="0"/>
+                        <a:t>24.01.25</a:t>
+                      </a:r>
                     </a:p>
                   </a:txBody>
                   <a:tcPr anchor="ctr"/>
@@ -5137,7 +5211,10 @@
                     <a:lstStyle/>
                     <a:p>
                       <a:pPr algn="ctr"/>
-                      <a:endParaRPr lang="nb-NO" dirty="0"/>
+                      <a:r>
+                        <a:rPr lang="nb-NO" dirty="0"/>
+                        <a:t>24.01.25 – 28.01.25</a:t>
+                      </a:r>
                     </a:p>
                   </a:txBody>
                   <a:tcPr anchor="ctr"/>
